--- a/PowerBIEspanol Rankings.pptx
+++ b/PowerBIEspanol Rankings.pptx
@@ -5157,7 +5157,7 @@
         </p:nvSpPr>
         <p:spPr>
           <a:xfrm>
-            <a:off x="-69960" y="1700262"/>
+            <a:off x="0" y="1012105"/>
             <a:ext cx="10081226" cy="3169625"/>
           </a:xfrm>
           <a:prstGeom prst="rect">
@@ -6418,7 +6418,7 @@
         </p:blipFill>
         <p:spPr>
           <a:xfrm>
-            <a:off x="0" y="1972688"/>
+            <a:off x="-1" y="1243723"/>
             <a:ext cx="4099915" cy="5494496"/>
           </a:xfrm>
           <a:prstGeom prst="rect">
@@ -6448,7 +6448,7 @@
         </p:blipFill>
         <p:spPr>
           <a:xfrm>
-            <a:off x="4209229" y="2026032"/>
+            <a:off x="4136965" y="1297067"/>
             <a:ext cx="3955123" cy="5441152"/>
           </a:xfrm>
           <a:prstGeom prst="rect">
@@ -6478,7 +6478,7 @@
         </p:blipFill>
         <p:spPr>
           <a:xfrm>
-            <a:off x="8273667" y="2026032"/>
+            <a:off x="8236877" y="1297067"/>
             <a:ext cx="3955123" cy="4717189"/>
           </a:xfrm>
           <a:prstGeom prst="rect">
@@ -6486,106 +6486,6 @@
           </a:prstGeom>
         </p:spPr>
       </p:pic>
-      <p:sp>
-        <p:nvSpPr>
-          <p:cNvPr id="11" name="Arrow: Curved Down 10">
-            <a:extLst>
-              <a:ext uri="{FF2B5EF4-FFF2-40B4-BE49-F238E27FC236}">
-                <a16:creationId xmlns:a16="http://schemas.microsoft.com/office/drawing/2014/main" id="{4DFB592F-400B-4179-935C-71A1413E6B4C}"/>
-              </a:ext>
-            </a:extLst>
-          </p:cNvPr>
-          <p:cNvSpPr/>
-          <p:nvPr/>
-        </p:nvSpPr>
-        <p:spPr>
-          <a:xfrm>
-            <a:off x="2832101" y="1168925"/>
-            <a:ext cx="2296080" cy="688156"/>
-          </a:xfrm>
-          <a:prstGeom prst="curvedDownArrow">
-            <a:avLst/>
-          </a:prstGeom>
-        </p:spPr>
-        <p:style>
-          <a:lnRef idx="2">
-            <a:schemeClr val="accent2">
-              <a:shade val="50000"/>
-            </a:schemeClr>
-          </a:lnRef>
-          <a:fillRef idx="1">
-            <a:schemeClr val="accent2"/>
-          </a:fillRef>
-          <a:effectRef idx="0">
-            <a:schemeClr val="accent2"/>
-          </a:effectRef>
-          <a:fontRef idx="minor">
-            <a:schemeClr val="lt1"/>
-          </a:fontRef>
-        </p:style>
-        <p:txBody>
-          <a:bodyPr rtlCol="0" anchor="ctr"/>
-          <a:lstStyle/>
-          <a:p>
-            <a:pPr algn="ctr"/>
-            <a:endParaRPr lang="es-ES">
-              <a:solidFill>
-                <a:schemeClr val="tx1"/>
-              </a:solidFill>
-            </a:endParaRPr>
-          </a:p>
-        </p:txBody>
-      </p:sp>
-      <p:sp>
-        <p:nvSpPr>
-          <p:cNvPr id="12" name="Arrow: Curved Down 11">
-            <a:extLst>
-              <a:ext uri="{FF2B5EF4-FFF2-40B4-BE49-F238E27FC236}">
-                <a16:creationId xmlns:a16="http://schemas.microsoft.com/office/drawing/2014/main" id="{FD9A9E70-4D73-4BE0-872A-198C291E013E}"/>
-              </a:ext>
-            </a:extLst>
-          </p:cNvPr>
-          <p:cNvSpPr/>
-          <p:nvPr/>
-        </p:nvSpPr>
-        <p:spPr>
-          <a:xfrm>
-            <a:off x="7191028" y="1253401"/>
-            <a:ext cx="2296080" cy="688156"/>
-          </a:xfrm>
-          <a:prstGeom prst="curvedDownArrow">
-            <a:avLst/>
-          </a:prstGeom>
-        </p:spPr>
-        <p:style>
-          <a:lnRef idx="2">
-            <a:schemeClr val="accent2">
-              <a:shade val="50000"/>
-            </a:schemeClr>
-          </a:lnRef>
-          <a:fillRef idx="1">
-            <a:schemeClr val="accent2"/>
-          </a:fillRef>
-          <a:effectRef idx="0">
-            <a:schemeClr val="accent2"/>
-          </a:effectRef>
-          <a:fontRef idx="minor">
-            <a:schemeClr val="lt1"/>
-          </a:fontRef>
-        </p:style>
-        <p:txBody>
-          <a:bodyPr rtlCol="0" anchor="ctr"/>
-          <a:lstStyle/>
-          <a:p>
-            <a:pPr algn="ctr"/>
-            <a:endParaRPr lang="es-ES">
-              <a:solidFill>
-                <a:schemeClr val="tx1"/>
-              </a:solidFill>
-            </a:endParaRPr>
-          </a:p>
-        </p:txBody>
-      </p:sp>
     </p:spTree>
     <p:extLst>
       <p:ext uri="{BB962C8B-B14F-4D97-AF65-F5344CB8AC3E}">
@@ -7429,16 +7329,16 @@
 <file path=customXml/itemProps2.xml><?xml version="1.0" encoding="utf-8"?>
 <ds:datastoreItem xmlns:ds="http://schemas.openxmlformats.org/officeDocument/2006/customXml" ds:itemID="{FF130215-149B-4B56-AAE8-EF1980B20BB0}">
   <ds:schemaRefs>
+    <ds:schemaRef ds:uri="http://purl.org/dc/elements/1.1/"/>
+    <ds:schemaRef ds:uri="http://www.w3.org/XML/1998/namespace"/>
+    <ds:schemaRef ds:uri="http://purl.org/dc/terms/"/>
+    <ds:schemaRef ds:uri="http://schemas.microsoft.com/office/2006/metadata/properties"/>
+    <ds:schemaRef ds:uri="http://schemas.microsoft.com/office/2006/documentManagement/types"/>
+    <ds:schemaRef ds:uri="http://purl.org/dc/dcmitype/"/>
+    <ds:schemaRef ds:uri="http://schemas.microsoft.com/office/infopath/2007/PartnerControls"/>
+    <ds:schemaRef ds:uri="http://schemas.openxmlformats.org/package/2006/metadata/core-properties"/>
     <ds:schemaRef ds:uri="b5bce9a8-0b0b-4e9e-bc04-0cb89404ac77"/>
     <ds:schemaRef ds:uri="8c220646-6cac-4c9d-8f05-a0ea44ceed69"/>
-    <ds:schemaRef ds:uri="http://www.w3.org/XML/1998/namespace"/>
-    <ds:schemaRef ds:uri="http://schemas.microsoft.com/office/infopath/2007/PartnerControls"/>
-    <ds:schemaRef ds:uri="http://schemas.microsoft.com/office/2006/documentManagement/types"/>
-    <ds:schemaRef ds:uri="http://schemas.microsoft.com/office/2006/metadata/properties"/>
-    <ds:schemaRef ds:uri="http://purl.org/dc/terms/"/>
-    <ds:schemaRef ds:uri="http://purl.org/dc/elements/1.1/"/>
-    <ds:schemaRef ds:uri="http://schemas.openxmlformats.org/package/2006/metadata/core-properties"/>
-    <ds:schemaRef ds:uri="http://purl.org/dc/dcmitype/"/>
   </ds:schemaRefs>
 </ds:datastoreItem>
 </file>

--- a/PowerBIEspanol Rankings.pptx
+++ b/PowerBIEspanol Rankings.pptx
@@ -389,7 +389,7 @@
           <a:p>
             <a:fld id="{EF65E631-EC6C-4D82-A71C-0148F5F37482}" type="datetimeFigureOut">
               <a:rPr lang="en-US" smtClean="0"/>
-              <a:t>11/28/2021</a:t>
+              <a:t>11/9/2022</a:t>
             </a:fld>
             <a:endParaRPr lang="en-US"/>
           </a:p>
@@ -547,7 +547,7 @@
           <a:p>
             <a:fld id="{7E6A3605-7A28-403B-8AF8-3C2A1E66453A}" type="slidenum">
               <a:rPr lang="en-US" smtClean="0"/>
-              <a:t>‹#›</a:t>
+              <a:t>‹Nº›</a:t>
             </a:fld>
             <a:endParaRPr lang="en-US"/>
           </a:p>
@@ -1409,7 +1409,7 @@
           <a:p>
             <a:fld id="{F35D4549-5A8C-4D62-9786-2554AF6B4A49}" type="datetimeFigureOut">
               <a:rPr lang="es-ES" smtClean="0"/>
-              <a:t>28/11/2021</a:t>
+              <a:t>09/11/2022</a:t>
             </a:fld>
             <a:endParaRPr lang="es-ES"/>
           </a:p>
@@ -1479,7 +1479,7 @@
           <a:p>
             <a:fld id="{382C38C1-4583-40A1-8A71-60E8E6937018}" type="slidenum">
               <a:rPr lang="es-ES" smtClean="0"/>
-              <a:t>‹#›</a:t>
+              <a:t>‹Nº›</a:t>
             </a:fld>
             <a:endParaRPr lang="es-ES"/>
           </a:p>
@@ -1731,7 +1731,7 @@
           <a:p>
             <a:fld id="{F35D4549-5A8C-4D62-9786-2554AF6B4A49}" type="datetimeFigureOut">
               <a:rPr lang="es-ES" smtClean="0"/>
-              <a:t>28/11/2021</a:t>
+              <a:t>09/11/2022</a:t>
             </a:fld>
             <a:endParaRPr lang="es-ES"/>
           </a:p>
@@ -1801,7 +1801,7 @@
           <a:p>
             <a:fld id="{382C38C1-4583-40A1-8A71-60E8E6937018}" type="slidenum">
               <a:rPr lang="es-ES" smtClean="0"/>
-              <a:t>‹#›</a:t>
+              <a:t>‹Nº›</a:t>
             </a:fld>
             <a:endParaRPr lang="es-ES"/>
           </a:p>
@@ -1971,7 +1971,7 @@
           <a:p>
             <a:fld id="{F35D4549-5A8C-4D62-9786-2554AF6B4A49}" type="datetimeFigureOut">
               <a:rPr lang="es-ES" smtClean="0"/>
-              <a:t>28/11/2021</a:t>
+              <a:t>09/11/2022</a:t>
             </a:fld>
             <a:endParaRPr lang="es-ES"/>
           </a:p>
@@ -2041,7 +2041,7 @@
           <a:p>
             <a:fld id="{382C38C1-4583-40A1-8A71-60E8E6937018}" type="slidenum">
               <a:rPr lang="es-ES" smtClean="0"/>
-              <a:t>‹#›</a:t>
+              <a:t>‹Nº›</a:t>
             </a:fld>
             <a:endParaRPr lang="es-ES"/>
           </a:p>
@@ -2211,7 +2211,7 @@
           <a:p>
             <a:fld id="{F35D4549-5A8C-4D62-9786-2554AF6B4A49}" type="datetimeFigureOut">
               <a:rPr lang="es-ES" smtClean="0"/>
-              <a:t>28/11/2021</a:t>
+              <a:t>09/11/2022</a:t>
             </a:fld>
             <a:endParaRPr lang="es-ES"/>
           </a:p>
@@ -2281,7 +2281,7 @@
           <a:p>
             <a:fld id="{382C38C1-4583-40A1-8A71-60E8E6937018}" type="slidenum">
               <a:rPr lang="es-ES" smtClean="0"/>
-              <a:t>‹#›</a:t>
+              <a:t>‹Nº›</a:t>
             </a:fld>
             <a:endParaRPr lang="es-ES"/>
           </a:p>
@@ -4197,7 +4197,7 @@
           <a:p>
             <a:fld id="{F35D4549-5A8C-4D62-9786-2554AF6B4A49}" type="datetimeFigureOut">
               <a:rPr lang="es-ES" smtClean="0"/>
-              <a:t>28/11/2021</a:t>
+              <a:t>09/11/2022</a:t>
             </a:fld>
             <a:endParaRPr lang="es-ES"/>
           </a:p>
@@ -4267,7 +4267,7 @@
           <a:p>
             <a:fld id="{382C38C1-4583-40A1-8A71-60E8E6937018}" type="slidenum">
               <a:rPr lang="es-ES" smtClean="0"/>
-              <a:t>‹#›</a:t>
+              <a:t>‹Nº›</a:t>
             </a:fld>
             <a:endParaRPr lang="es-ES"/>
           </a:p>
@@ -4913,8 +4913,13 @@
           <a:p>
             <a:r>
               <a:rPr lang="es-ES" dirty="0"/>
-              <a:t>Rankings del canal</a:t>
-            </a:r>
+              <a:t>Rankings </a:t>
+            </a:r>
+            <a:r>
+              <a:rPr lang="es-ES"/>
+              <a:t>del canal @PowerBIEspañol</a:t>
+            </a:r>
+            <a:endParaRPr lang="es-ES" dirty="0"/>
           </a:p>
         </p:txBody>
       </p:sp>
@@ -5000,25 +5005,32 @@
           <a:p>
             <a:pPr algn="just"/>
             <a:r>
-              <a:rPr lang="es-ES" dirty="0"/>
+              <a:rPr lang="es-ES" sz="2800" dirty="0"/>
               <a:t>Con la finalidad de reconocer y premiar a </a:t>
             </a:r>
             <a:r>
-              <a:rPr lang="es-ES" dirty="0" err="1"/>
+              <a:rPr lang="es-ES" sz="2800" dirty="0" err="1"/>
               <a:t>l@s</a:t>
             </a:r>
             <a:r>
-              <a:rPr lang="es-ES" dirty="0"/>
+              <a:rPr lang="es-ES" sz="2800" dirty="0"/>
               <a:t> integrantes del canal que resuelven problemas o dudas, el grupo de </a:t>
             </a:r>
             <a:r>
-              <a:rPr lang="es-ES" dirty="0" err="1"/>
+              <a:rPr lang="es-ES" sz="2800" dirty="0" err="1"/>
               <a:t>admins</a:t>
             </a:r>
             <a:r>
-              <a:rPr lang="es-ES" dirty="0"/>
+              <a:rPr lang="es-ES" sz="2800" dirty="0"/>
               <a:t> ha decidido poner en marcha un Sistema de rankings a partir del 28/11/2021.</a:t>
             </a:r>
+            <a:br>
+              <a:rPr lang="es-ES" sz="2800" dirty="0"/>
+            </a:br>
+            <a:br>
+              <a:rPr lang="es-ES" sz="2800" dirty="0"/>
+            </a:br>
+            <a:endParaRPr lang="es-ES" sz="2800" dirty="0"/>
           </a:p>
         </p:txBody>
       </p:sp>
@@ -5158,7 +5170,7 @@
         <p:spPr>
           <a:xfrm>
             <a:off x="0" y="1012105"/>
-            <a:ext cx="10081226" cy="3169625"/>
+            <a:ext cx="9880783" cy="5336068"/>
           </a:xfrm>
           <a:prstGeom prst="rect">
             <a:avLst/>
@@ -5335,107 +5347,49 @@
               <a:buAutoNum type="arabicParenR"/>
             </a:pPr>
             <a:r>
-              <a:rPr lang="es-ES" sz="1600" dirty="0">
+              <a:rPr lang="es-ES" sz="1200" dirty="0">
                 <a:solidFill>
                   <a:srgbClr val="000000"/>
                 </a:solidFill>
                 <a:latin typeface="Roboto" panose="02000000000000000000" pitchFamily="2" charset="0"/>
               </a:rPr>
-              <a:t>Para entregar puntos de reputación utiliza el comando </a:t>
-            </a:r>
-            <a:r>
-              <a:rPr lang="es-ES" sz="1600" dirty="0">
-                <a:latin typeface="Roboto" panose="02000000000000000000" pitchFamily="2" charset="0"/>
-                <a:hlinkClick r:id="rId2" action="ppaction://hlinkfile"/>
-              </a:rPr>
-              <a:t>/</a:t>
-            </a:r>
-            <a:r>
-              <a:rPr lang="es-ES" sz="1600" dirty="0" err="1">
-                <a:latin typeface="Roboto" panose="02000000000000000000" pitchFamily="2" charset="0"/>
-                <a:hlinkClick r:id="rId2" action="ppaction://hlinkfile"/>
-              </a:rPr>
-              <a:t>rep</a:t>
-            </a:r>
-            <a:r>
-              <a:rPr lang="es-ES" sz="1600" dirty="0">
+              <a:t>Debes Responder a un mensaje con #gracias, eso le dará 1 punto de reputación al usuario, o </a:t>
+            </a:r>
+            <a:r>
+              <a:rPr lang="es-ES" sz="1200" dirty="0" err="1">
                 <a:solidFill>
                   <a:srgbClr val="000000"/>
                 </a:solidFill>
                 <a:latin typeface="Roboto" panose="02000000000000000000" pitchFamily="2" charset="0"/>
               </a:rPr>
-              <a:t> + el nombre de usuario, por ejemplo </a:t>
-            </a:r>
-            <a:r>
-              <a:rPr lang="es-ES" sz="1600" b="1" dirty="0">
-                <a:highlight>
-                  <a:srgbClr val="FFFF00"/>
-                </a:highlight>
-                <a:latin typeface="Roboto" panose="02000000000000000000" pitchFamily="2" charset="0"/>
-                <a:hlinkClick r:id="rId2" action="ppaction://hlinkfile"/>
-              </a:rPr>
-              <a:t>/</a:t>
-            </a:r>
-            <a:r>
-              <a:rPr lang="es-ES" sz="1600" b="1" dirty="0" err="1">
-                <a:highlight>
-                  <a:srgbClr val="FFFF00"/>
-                </a:highlight>
-                <a:latin typeface="Roboto" panose="02000000000000000000" pitchFamily="2" charset="0"/>
-                <a:hlinkClick r:id="rId2" action="ppaction://hlinkfile"/>
-              </a:rPr>
-              <a:t>rep</a:t>
-            </a:r>
-            <a:r>
-              <a:rPr lang="es-ES" sz="1600" b="1" dirty="0">
+              <a:t>l@s</a:t>
+            </a:r>
+            <a:r>
+              <a:rPr lang="es-ES" sz="1200" dirty="0">
                 <a:solidFill>
                   <a:srgbClr val="000000"/>
                 </a:solidFill>
-                <a:highlight>
-                  <a:srgbClr val="FFFF00"/>
-                </a:highlight>
                 <a:latin typeface="Roboto" panose="02000000000000000000" pitchFamily="2" charset="0"/>
               </a:rPr>
               <a:t> </a:t>
             </a:r>
             <a:r>
-              <a:rPr lang="es-ES" sz="1600" b="1" dirty="0">
-                <a:highlight>
-                  <a:srgbClr val="FFFF00"/>
-                </a:highlight>
+              <a:rPr lang="es-ES" sz="1200" dirty="0" err="1">
+                <a:solidFill>
+                  <a:srgbClr val="000000"/>
+                </a:solidFill>
                 <a:latin typeface="Roboto" panose="02000000000000000000" pitchFamily="2" charset="0"/>
               </a:rPr>
-              <a:t>@miguel_murcia</a:t>
-            </a:r>
-            <a:r>
-              <a:rPr lang="es-ES" sz="1600" dirty="0">
+              <a:t>usuari@s</a:t>
+            </a:r>
+            <a:r>
+              <a:rPr lang="es-ES" sz="1200" dirty="0">
                 <a:solidFill>
                   <a:srgbClr val="000000"/>
                 </a:solidFill>
                 <a:latin typeface="Roboto" panose="02000000000000000000" pitchFamily="2" charset="0"/>
               </a:rPr>
-              <a:t> (asegúrate de que sea el nombre de usuario correcto), o simplemente responde a un mensaje del usuario con el hashtag </a:t>
-            </a:r>
-            <a:r>
-              <a:rPr lang="es-ES" sz="1600" dirty="0">
-                <a:solidFill>
-                  <a:srgbClr val="000000"/>
-                </a:solidFill>
-                <a:highlight>
-                  <a:srgbClr val="FFFF00"/>
-                </a:highlight>
-                <a:latin typeface="Roboto" panose="02000000000000000000" pitchFamily="2" charset="0"/>
-              </a:rPr>
-              <a:t>#gracias </a:t>
-            </a:r>
-            <a:r>
-              <a:rPr lang="es-ES" sz="1600" dirty="0">
-                <a:solidFill>
-                  <a:srgbClr val="000000"/>
-                </a:solidFill>
-                <a:latin typeface="Roboto" panose="02000000000000000000" pitchFamily="2" charset="0"/>
-              </a:rPr>
-              <a:t>, esto le dará un punto de reputación al usuario que te ayudó.</a:t>
+              <a:t>, que te ayudaron con ese o esos mensaje.</a:t>
             </a:r>
           </a:p>
           <a:p>
@@ -5443,34 +5397,30 @@
               <a:buAutoNum type="arabicParenR"/>
             </a:pPr>
             <a:r>
-              <a:rPr lang="es-ES" sz="1600" dirty="0">
+              <a:rPr lang="es-ES" sz="1200" dirty="0">
                 <a:solidFill>
                   <a:srgbClr val="000000"/>
                 </a:solidFill>
                 <a:latin typeface="Roboto" panose="02000000000000000000" pitchFamily="2" charset="0"/>
               </a:rPr>
-              <a:t>Si te ayudaron con un problema complejo, y quieres dar mas de un punto a la persona, sólo lo puedes hacer con el comando /</a:t>
-            </a:r>
-            <a:r>
-              <a:rPr lang="es-ES" sz="1600" dirty="0" err="1">
+              <a:t>Si te ayudaron con un problema complejo, y quieres dar mas de un punto a la persona, debes responder a más de un mensaje de la o las personas que te ayudaron, con el #gracias .</a:t>
+            </a:r>
+          </a:p>
+          <a:p>
+            <a:pPr algn="just">
+              <a:buAutoNum type="arabicParenR"/>
+            </a:pPr>
+            <a:r>
+              <a:rPr lang="es-ES" sz="1200" dirty="0">
                 <a:solidFill>
                   <a:srgbClr val="000000"/>
                 </a:solidFill>
                 <a:latin typeface="Roboto" panose="02000000000000000000" pitchFamily="2" charset="0"/>
               </a:rPr>
-              <a:t>rep</a:t>
-            </a:r>
-            <a:r>
-              <a:rPr lang="es-ES" sz="1600" dirty="0">
-                <a:solidFill>
-                  <a:srgbClr val="000000"/>
-                </a:solidFill>
-                <a:latin typeface="Roboto" panose="02000000000000000000" pitchFamily="2" charset="0"/>
-              </a:rPr>
-              <a:t> + nombre de usuario + cantidad de puntos , ejemplo </a:t>
-            </a:r>
-            <a:r>
-              <a:rPr lang="es-ES" sz="1600" dirty="0">
+              <a:t>Puedes otorgar un máximo de 4 puntos cada 24 horas. ( con el comando </a:t>
+            </a:r>
+            <a:r>
+              <a:rPr lang="es-ES" sz="1200" dirty="0">
                 <a:solidFill>
                   <a:srgbClr val="000000"/>
                 </a:solidFill>
@@ -5482,84 +5432,7 @@
               <a:t>/</a:t>
             </a:r>
             <a:r>
-              <a:rPr lang="es-ES" sz="1600" dirty="0" err="1">
-                <a:solidFill>
-                  <a:srgbClr val="000000"/>
-                </a:solidFill>
-                <a:highlight>
-                  <a:srgbClr val="FFFF00"/>
-                </a:highlight>
-                <a:latin typeface="Roboto" panose="02000000000000000000" pitchFamily="2" charset="0"/>
-              </a:rPr>
-              <a:t>rep</a:t>
-            </a:r>
-            <a:r>
-              <a:rPr lang="es-ES" sz="1600" dirty="0">
-                <a:solidFill>
-                  <a:srgbClr val="000000"/>
-                </a:solidFill>
-                <a:highlight>
-                  <a:srgbClr val="FFFF00"/>
-                </a:highlight>
-                <a:latin typeface="Roboto" panose="02000000000000000000" pitchFamily="2" charset="0"/>
-              </a:rPr>
-              <a:t> @FranMullor 2</a:t>
-            </a:r>
-            <a:r>
-              <a:rPr lang="es-ES" sz="1600" dirty="0">
-                <a:solidFill>
-                  <a:srgbClr val="000000"/>
-                </a:solidFill>
-                <a:latin typeface="Roboto" panose="02000000000000000000" pitchFamily="2" charset="0"/>
-              </a:rPr>
-              <a:t> le dará  2 puntos de ranking al usuario Francisco </a:t>
-            </a:r>
-            <a:r>
-              <a:rPr lang="es-ES" sz="1600" dirty="0" err="1">
-                <a:solidFill>
-                  <a:srgbClr val="000000"/>
-                </a:solidFill>
-                <a:latin typeface="Roboto" panose="02000000000000000000" pitchFamily="2" charset="0"/>
-              </a:rPr>
-              <a:t>Mullor</a:t>
-            </a:r>
-            <a:r>
-              <a:rPr lang="es-ES" sz="1600" dirty="0">
-                <a:solidFill>
-                  <a:srgbClr val="000000"/>
-                </a:solidFill>
-                <a:latin typeface="Roboto" panose="02000000000000000000" pitchFamily="2" charset="0"/>
-              </a:rPr>
-              <a:t>.</a:t>
-            </a:r>
-          </a:p>
-          <a:p>
-            <a:pPr algn="just">
-              <a:buAutoNum type="arabicParenR"/>
-            </a:pPr>
-            <a:r>
-              <a:rPr lang="es-ES" sz="1600" dirty="0">
-                <a:solidFill>
-                  <a:srgbClr val="000000"/>
-                </a:solidFill>
-                <a:latin typeface="Roboto" panose="02000000000000000000" pitchFamily="2" charset="0"/>
-              </a:rPr>
-              <a:t>Puedes otorgar un máximo de 4 puntos cada 24 horas. ( con el comando </a:t>
-            </a:r>
-            <a:r>
-              <a:rPr lang="es-ES" sz="1600" dirty="0">
-                <a:solidFill>
-                  <a:srgbClr val="000000"/>
-                </a:solidFill>
-                <a:highlight>
-                  <a:srgbClr val="FFFF00"/>
-                </a:highlight>
-                <a:latin typeface="Roboto" panose="02000000000000000000" pitchFamily="2" charset="0"/>
-              </a:rPr>
-              <a:t>/</a:t>
-            </a:r>
-            <a:r>
-              <a:rPr lang="es-ES" sz="1600" dirty="0" err="1">
+              <a:rPr lang="es-ES" sz="1200" dirty="0" err="1">
                 <a:solidFill>
                   <a:srgbClr val="000000"/>
                 </a:solidFill>
@@ -5571,7 +5444,7 @@
               <a:t>myrep</a:t>
             </a:r>
             <a:r>
-              <a:rPr lang="es-ES" sz="1600" dirty="0">
+              <a:rPr lang="es-ES" sz="1200" dirty="0">
                 <a:solidFill>
                   <a:srgbClr val="000000"/>
                 </a:solidFill>
@@ -5585,7 +5458,7 @@
               <a:buAutoNum type="arabicParenR"/>
             </a:pPr>
             <a:r>
-              <a:rPr lang="es-ES" sz="1600" dirty="0">
+              <a:rPr lang="es-ES" sz="1200" dirty="0">
                 <a:solidFill>
                   <a:srgbClr val="000000"/>
                 </a:solidFill>
@@ -5599,7 +5472,7 @@
               <a:buAutoNum type="arabicParenR"/>
             </a:pPr>
             <a:r>
-              <a:rPr lang="es-ES" sz="1600" dirty="0">
+              <a:rPr lang="es-ES" sz="1200" dirty="0">
                 <a:solidFill>
                   <a:srgbClr val="000000"/>
                 </a:solidFill>
@@ -5613,16 +5486,16 @@
               <a:buAutoNum type="arabicParenR"/>
             </a:pPr>
             <a:r>
-              <a:rPr lang="es-ES" sz="1600" dirty="0">
+              <a:rPr lang="es-ES" sz="1200" dirty="0">
                 <a:solidFill>
                   <a:srgbClr val="000000"/>
                 </a:solidFill>
                 <a:latin typeface="Roboto" panose="02000000000000000000" pitchFamily="2" charset="0"/>
               </a:rPr>
-              <a:t>El mal uso de los puntos de reputación es causal de advertencias al usuario por parte de los </a:t>
-            </a:r>
-            <a:r>
-              <a:rPr lang="es-ES" sz="1600" dirty="0" err="1">
+              <a:t>El mal uso de los puntos de reputación es causal de advertencia al usuario por parte de los </a:t>
+            </a:r>
+            <a:r>
+              <a:rPr lang="es-ES" sz="1200" dirty="0" err="1">
                 <a:solidFill>
                   <a:srgbClr val="000000"/>
                 </a:solidFill>
@@ -5631,7 +5504,7 @@
               <a:t>admins</a:t>
             </a:r>
             <a:r>
-              <a:rPr lang="es-ES" sz="1600" dirty="0">
+              <a:rPr lang="es-ES" sz="1200" dirty="0">
                 <a:solidFill>
                   <a:srgbClr val="000000"/>
                 </a:solidFill>
@@ -5645,16 +5518,16 @@
               <a:buAutoNum type="arabicParenR"/>
             </a:pPr>
             <a:r>
-              <a:rPr lang="es-ES" sz="1600" dirty="0">
+              <a:rPr lang="es-ES" sz="1200" dirty="0">
                 <a:solidFill>
                   <a:srgbClr val="000000"/>
                 </a:solidFill>
                 <a:latin typeface="Roboto" panose="02000000000000000000" pitchFamily="2" charset="0"/>
               </a:rPr>
-              <a:t>Debes entregar puntos de reputación si te ayudaron a resolver algún problema, en caso de que no lo hagas la persona que te ayudo podrá solicitártelo o recordarte que se lo envíes ( siempre por el </a:t>
-            </a:r>
-            <a:r>
-              <a:rPr lang="es-ES" sz="1600" dirty="0" err="1">
+              <a:t>Debes dar el #gracias si te ayudaron a resolver algún problema, aún cuando ya no te queden puntos de reputación en el día, en caso de que no lo hagas la persona que te ayudo podrá solicitártelo o recordarte que se lo envíes ( siempre por el </a:t>
+            </a:r>
+            <a:r>
+              <a:rPr lang="es-ES" sz="1200" dirty="0" err="1">
                 <a:solidFill>
                   <a:srgbClr val="000000"/>
                 </a:solidFill>
@@ -5663,7 +5536,7 @@
               <a:t>feed</a:t>
             </a:r>
             <a:r>
-              <a:rPr lang="es-ES" sz="1600" dirty="0">
+              <a:rPr lang="es-ES" sz="1200" dirty="0">
                 <a:solidFill>
                   <a:srgbClr val="000000"/>
                 </a:solidFill>
@@ -5677,7 +5550,7 @@
               <a:buAutoNum type="arabicParenR"/>
             </a:pPr>
             <a:r>
-              <a:rPr lang="es-ES" sz="1600" dirty="0">
+              <a:rPr lang="es-ES" sz="1200" dirty="0">
                 <a:solidFill>
                   <a:srgbClr val="000000"/>
                 </a:solidFill>
@@ -5691,46 +5564,199 @@
               <a:buAutoNum type="arabicParenR"/>
             </a:pPr>
             <a:r>
-              <a:rPr lang="es-ES" sz="1600" dirty="0">
+              <a:rPr lang="es-ES" sz="1200" dirty="0">
                 <a:solidFill>
                   <a:srgbClr val="000000"/>
                 </a:solidFill>
-                <a:latin typeface="Roboto" panose="02000000000000000000" pitchFamily="2" charset="0"/>
-              </a:rPr>
-              <a:t>Con el comando </a:t>
-            </a:r>
-            <a:r>
-              <a:rPr lang="es-ES" sz="1600" dirty="0">
-                <a:solidFill>
-                  <a:srgbClr val="000000"/>
-                </a:solidFill>
-                <a:highlight>
-                  <a:srgbClr val="FFFF00"/>
-                </a:highlight>
                 <a:latin typeface="Roboto" panose="02000000000000000000" pitchFamily="2" charset="0"/>
               </a:rPr>
               <a:t>/</a:t>
             </a:r>
             <a:r>
-              <a:rPr lang="es-ES" sz="1600" dirty="0" err="1">
+              <a:rPr lang="es-ES" sz="1200" dirty="0" err="1">
                 <a:solidFill>
                   <a:srgbClr val="000000"/>
                 </a:solidFill>
-                <a:highlight>
-                  <a:srgbClr val="FFFF00"/>
-                </a:highlight>
+                <a:latin typeface="Roboto" panose="02000000000000000000" pitchFamily="2" charset="0"/>
+              </a:rPr>
+              <a:t>myrep</a:t>
+            </a:r>
+            <a:r>
+              <a:rPr lang="es-ES" sz="1200" dirty="0">
+                <a:solidFill>
+                  <a:srgbClr val="000000"/>
+                </a:solidFill>
+                <a:latin typeface="Roboto" panose="02000000000000000000" pitchFamily="2" charset="0"/>
+              </a:rPr>
+              <a:t>: Te permite ver tu reputación y cuantos puntos te quedan para dar (Puedes otorgar un máximo de 4 puntos cada 24 horas)</a:t>
+            </a:r>
+          </a:p>
+          <a:p>
+            <a:pPr algn="just">
+              <a:buAutoNum type="arabicParenR"/>
+            </a:pPr>
+            <a:r>
+              <a:rPr lang="es-ES" sz="1200" dirty="0">
+                <a:solidFill>
+                  <a:srgbClr val="000000"/>
+                </a:solidFill>
+                <a:latin typeface="Roboto" panose="02000000000000000000" pitchFamily="2" charset="0"/>
+              </a:rPr>
+              <a:t>/</a:t>
+            </a:r>
+            <a:r>
+              <a:rPr lang="es-ES" sz="1200" dirty="0" err="1">
+                <a:solidFill>
+                  <a:srgbClr val="000000"/>
+                </a:solidFill>
                 <a:latin typeface="Roboto" panose="02000000000000000000" pitchFamily="2" charset="0"/>
               </a:rPr>
               <a:t>toprep</a:t>
             </a:r>
             <a:r>
-              <a:rPr lang="es-ES" sz="1600" dirty="0">
+              <a:rPr lang="es-ES" sz="1200" dirty="0">
+                <a:solidFill>
+                  <a:srgbClr val="000000"/>
+                </a:solidFill>
+                <a:latin typeface="Roboto" panose="02000000000000000000" pitchFamily="2" charset="0"/>
+              </a:rPr>
+              <a:t>: Con el comando /</a:t>
+            </a:r>
+            <a:r>
+              <a:rPr lang="es-ES" sz="1200" dirty="0" err="1">
+                <a:solidFill>
+                  <a:srgbClr val="000000"/>
+                </a:solidFill>
+                <a:latin typeface="Roboto" panose="02000000000000000000" pitchFamily="2" charset="0"/>
+              </a:rPr>
+              <a:t>toprep</a:t>
+            </a:r>
+            <a:r>
+              <a:rPr lang="es-ES" sz="1200" dirty="0">
                 <a:solidFill>
                   <a:srgbClr val="000000"/>
                 </a:solidFill>
                 <a:latin typeface="Roboto" panose="02000000000000000000" pitchFamily="2" charset="0"/>
               </a:rPr>
               <a:t> puedes ver el Top 10 del Ranking.</a:t>
+            </a:r>
+          </a:p>
+          <a:p>
+            <a:pPr algn="just">
+              <a:buAutoNum type="arabicParenR"/>
+            </a:pPr>
+            <a:r>
+              <a:rPr lang="es-ES" sz="1200" dirty="0">
+                <a:solidFill>
+                  <a:srgbClr val="000000"/>
+                </a:solidFill>
+                <a:latin typeface="Roboto" panose="02000000000000000000" pitchFamily="2" charset="0"/>
+              </a:rPr>
+              <a:t>/</a:t>
+            </a:r>
+            <a:r>
+              <a:rPr lang="es-ES" sz="1200" dirty="0" err="1">
+                <a:solidFill>
+                  <a:srgbClr val="000000"/>
+                </a:solidFill>
+                <a:latin typeface="Roboto" panose="02000000000000000000" pitchFamily="2" charset="0"/>
+              </a:rPr>
+              <a:t>toprep</a:t>
+            </a:r>
+            <a:r>
+              <a:rPr lang="es-ES" sz="1200" dirty="0">
+                <a:solidFill>
+                  <a:srgbClr val="000000"/>
+                </a:solidFill>
+                <a:latin typeface="Roboto" panose="02000000000000000000" pitchFamily="2" charset="0"/>
+              </a:rPr>
+              <a:t> N : Con el comando /</a:t>
+            </a:r>
+            <a:r>
+              <a:rPr lang="es-ES" sz="1200" dirty="0" err="1">
+                <a:solidFill>
+                  <a:srgbClr val="000000"/>
+                </a:solidFill>
+                <a:latin typeface="Roboto" panose="02000000000000000000" pitchFamily="2" charset="0"/>
+              </a:rPr>
+              <a:t>toprep</a:t>
+            </a:r>
+            <a:r>
+              <a:rPr lang="es-ES" sz="1200" dirty="0">
+                <a:solidFill>
+                  <a:srgbClr val="000000"/>
+                </a:solidFill>
+                <a:latin typeface="Roboto" panose="02000000000000000000" pitchFamily="2" charset="0"/>
+              </a:rPr>
+              <a:t> puedes ver el Top N del Ranking.</a:t>
+            </a:r>
+          </a:p>
+          <a:p>
+            <a:pPr algn="just">
+              <a:buAutoNum type="arabicParenR"/>
+            </a:pPr>
+            <a:r>
+              <a:rPr lang="es-ES" sz="1200" dirty="0">
+                <a:solidFill>
+                  <a:srgbClr val="000000"/>
+                </a:solidFill>
+                <a:latin typeface="Roboto" panose="02000000000000000000" pitchFamily="2" charset="0"/>
+              </a:rPr>
+              <a:t>/</a:t>
+            </a:r>
+            <a:r>
+              <a:rPr lang="es-ES" sz="1200" dirty="0" err="1">
+                <a:solidFill>
+                  <a:srgbClr val="000000"/>
+                </a:solidFill>
+                <a:latin typeface="Roboto" panose="02000000000000000000" pitchFamily="2" charset="0"/>
+              </a:rPr>
+              <a:t>toprep</a:t>
+            </a:r>
+            <a:r>
+              <a:rPr lang="es-ES" sz="1200" dirty="0">
+                <a:solidFill>
+                  <a:srgbClr val="000000"/>
+                </a:solidFill>
+                <a:latin typeface="Roboto" panose="02000000000000000000" pitchFamily="2" charset="0"/>
+              </a:rPr>
+              <a:t> (w=semana, m=mes, d=</a:t>
+            </a:r>
+            <a:r>
+              <a:rPr lang="es-ES" sz="1200" dirty="0" err="1">
+                <a:solidFill>
+                  <a:srgbClr val="000000"/>
+                </a:solidFill>
+                <a:latin typeface="Roboto" panose="02000000000000000000" pitchFamily="2" charset="0"/>
+              </a:rPr>
+              <a:t>dia</a:t>
+            </a:r>
+            <a:r>
+              <a:rPr lang="es-ES" sz="1200" dirty="0">
+                <a:solidFill>
+                  <a:srgbClr val="000000"/>
+                </a:solidFill>
+                <a:latin typeface="Roboto" panose="02000000000000000000" pitchFamily="2" charset="0"/>
+              </a:rPr>
+              <a:t>) : Con el comando /</a:t>
+            </a:r>
+            <a:r>
+              <a:rPr lang="es-ES" sz="1200" dirty="0" err="1">
+                <a:solidFill>
+                  <a:srgbClr val="000000"/>
+                </a:solidFill>
+                <a:latin typeface="Roboto" panose="02000000000000000000" pitchFamily="2" charset="0"/>
+              </a:rPr>
+              <a:t>toprep</a:t>
+            </a:r>
+            <a:r>
+              <a:rPr lang="es-ES" sz="1200" dirty="0">
+                <a:solidFill>
+                  <a:srgbClr val="000000"/>
+                </a:solidFill>
+                <a:latin typeface="Roboto" panose="02000000000000000000" pitchFamily="2" charset="0"/>
+              </a:rPr>
+              <a:t> puedes ver el Top del Ranking de la semana en curso .</a:t>
             </a:r>
           </a:p>
         </p:txBody>
@@ -6001,232 +6027,13 @@
               <a:buAutoNum type="arabicParenR"/>
             </a:pPr>
             <a:r>
-              <a:rPr lang="es-ES" sz="2000" b="1" dirty="0">
+              <a:rPr lang="es-ES" sz="1800" b="1" dirty="0">
                 <a:solidFill>
                   <a:srgbClr val="000000"/>
                 </a:solidFill>
                 <a:latin typeface="Roboto" panose="02000000000000000000" pitchFamily="2" charset="0"/>
               </a:rPr>
-              <a:t> /</a:t>
-            </a:r>
-            <a:r>
-              <a:rPr lang="es-ES" sz="2000" b="1" dirty="0" err="1">
-                <a:solidFill>
-                  <a:srgbClr val="000000"/>
-                </a:solidFill>
-                <a:latin typeface="Roboto" panose="02000000000000000000" pitchFamily="2" charset="0"/>
-              </a:rPr>
-              <a:t>rep</a:t>
-            </a:r>
-            <a:r>
-              <a:rPr lang="es-ES" sz="2000" b="1" dirty="0">
-                <a:solidFill>
-                  <a:srgbClr val="000000"/>
-                </a:solidFill>
-                <a:latin typeface="Roboto" panose="02000000000000000000" pitchFamily="2" charset="0"/>
-              </a:rPr>
-              <a:t> + nombre de usuario: otorga 1 punto de reputación al usuario, ejemplo</a:t>
-            </a:r>
-            <a:r>
-              <a:rPr lang="es-ES" sz="1600" dirty="0">
-                <a:solidFill>
-                  <a:srgbClr val="000000"/>
-                </a:solidFill>
-                <a:latin typeface="Roboto" panose="02000000000000000000" pitchFamily="2" charset="0"/>
-              </a:rPr>
-              <a:t> </a:t>
-            </a:r>
-            <a:r>
-              <a:rPr lang="es-ES" sz="1800" b="1" dirty="0">
-                <a:highlight>
-                  <a:srgbClr val="FFFF00"/>
-                </a:highlight>
-                <a:latin typeface="Roboto" panose="02000000000000000000" pitchFamily="2" charset="0"/>
-                <a:hlinkClick r:id="rId2" action="ppaction://hlinkfile"/>
-              </a:rPr>
-              <a:t>/</a:t>
-            </a:r>
-            <a:r>
-              <a:rPr lang="es-ES" sz="1800" b="1" dirty="0" err="1">
-                <a:highlight>
-                  <a:srgbClr val="FFFF00"/>
-                </a:highlight>
-                <a:latin typeface="Roboto" panose="02000000000000000000" pitchFamily="2" charset="0"/>
-                <a:hlinkClick r:id="rId2" action="ppaction://hlinkfile"/>
-              </a:rPr>
-              <a:t>rep</a:t>
-            </a:r>
-            <a:r>
-              <a:rPr lang="es-ES" sz="1800" b="1" dirty="0">
-                <a:solidFill>
-                  <a:srgbClr val="000000"/>
-                </a:solidFill>
-                <a:highlight>
-                  <a:srgbClr val="FFFF00"/>
-                </a:highlight>
-                <a:latin typeface="Roboto" panose="02000000000000000000" pitchFamily="2" charset="0"/>
-              </a:rPr>
-              <a:t> </a:t>
-            </a:r>
-            <a:r>
-              <a:rPr lang="es-ES" sz="1800" b="1" dirty="0">
-                <a:highlight>
-                  <a:srgbClr val="FFFF00"/>
-                </a:highlight>
-                <a:latin typeface="Roboto" panose="02000000000000000000" pitchFamily="2" charset="0"/>
-              </a:rPr>
-              <a:t>@miguel_murcia</a:t>
-            </a:r>
-            <a:r>
-              <a:rPr lang="es-ES" sz="1600" dirty="0">
-                <a:solidFill>
-                  <a:srgbClr val="000000"/>
-                </a:solidFill>
-                <a:latin typeface="Roboto" panose="02000000000000000000" pitchFamily="2" charset="0"/>
-              </a:rPr>
-              <a:t> </a:t>
-            </a:r>
-          </a:p>
-          <a:p>
-            <a:pPr algn="just">
-              <a:buFont typeface="Arial" panose="020B0604020202020204" pitchFamily="34" charset="0"/>
-              <a:buAutoNum type="arabicParenR"/>
-            </a:pPr>
-            <a:r>
-              <a:rPr lang="es-ES" sz="1800" b="1" dirty="0">
-                <a:solidFill>
-                  <a:srgbClr val="000000"/>
-                </a:solidFill>
-                <a:latin typeface="Roboto" panose="02000000000000000000" pitchFamily="2" charset="0"/>
-              </a:rPr>
-              <a:t>/</a:t>
-            </a:r>
-            <a:r>
-              <a:rPr lang="es-ES" sz="1800" b="1" dirty="0" err="1">
-                <a:solidFill>
-                  <a:srgbClr val="000000"/>
-                </a:solidFill>
-                <a:latin typeface="Roboto" panose="02000000000000000000" pitchFamily="2" charset="0"/>
-              </a:rPr>
-              <a:t>rep</a:t>
-            </a:r>
-            <a:r>
-              <a:rPr lang="es-ES" sz="1800" b="1" dirty="0">
-                <a:solidFill>
-                  <a:srgbClr val="000000"/>
-                </a:solidFill>
-                <a:latin typeface="Roboto" panose="02000000000000000000" pitchFamily="2" charset="0"/>
-              </a:rPr>
-              <a:t> + nombre de usuario + cantidad de puntos: otorga puntos de reputación, ejemplo</a:t>
-            </a:r>
-            <a:r>
-              <a:rPr lang="es-ES" sz="1800" dirty="0">
-                <a:solidFill>
-                  <a:srgbClr val="000000"/>
-                </a:solidFill>
-                <a:latin typeface="Roboto" panose="02000000000000000000" pitchFamily="2" charset="0"/>
-              </a:rPr>
-              <a:t> </a:t>
-            </a:r>
-            <a:r>
-              <a:rPr lang="es-ES" sz="1800" b="1" dirty="0">
-                <a:highlight>
-                  <a:srgbClr val="FFFF00"/>
-                </a:highlight>
-                <a:latin typeface="Roboto" panose="02000000000000000000" pitchFamily="2" charset="0"/>
-                <a:hlinkClick r:id="rId2" action="ppaction://hlinkfile"/>
-              </a:rPr>
-              <a:t>/</a:t>
-            </a:r>
-            <a:r>
-              <a:rPr lang="es-ES" sz="1800" b="1" dirty="0" err="1">
-                <a:highlight>
-                  <a:srgbClr val="FFFF00"/>
-                </a:highlight>
-                <a:latin typeface="Roboto" panose="02000000000000000000" pitchFamily="2" charset="0"/>
-                <a:hlinkClick r:id="rId2" action="ppaction://hlinkfile"/>
-              </a:rPr>
-              <a:t>rep</a:t>
-            </a:r>
-            <a:r>
-              <a:rPr lang="es-ES" sz="1800" b="1" dirty="0">
-                <a:solidFill>
-                  <a:srgbClr val="000000"/>
-                </a:solidFill>
-                <a:highlight>
-                  <a:srgbClr val="FFFF00"/>
-                </a:highlight>
-                <a:latin typeface="Roboto" panose="02000000000000000000" pitchFamily="2" charset="0"/>
-              </a:rPr>
-              <a:t> </a:t>
-            </a:r>
-            <a:r>
-              <a:rPr lang="es-ES" sz="1800" b="1" dirty="0">
-                <a:highlight>
-                  <a:srgbClr val="FFFF00"/>
-                </a:highlight>
-                <a:latin typeface="Roboto" panose="02000000000000000000" pitchFamily="2" charset="0"/>
-              </a:rPr>
-              <a:t>@miguel_Murcia 2</a:t>
-            </a:r>
-            <a:r>
-              <a:rPr lang="es-ES" sz="1800" dirty="0">
-                <a:solidFill>
-                  <a:srgbClr val="000000"/>
-                </a:solidFill>
-                <a:latin typeface="Roboto" panose="02000000000000000000" pitchFamily="2" charset="0"/>
-              </a:rPr>
-              <a:t> </a:t>
-            </a:r>
-          </a:p>
-          <a:p>
-            <a:pPr algn="just">
-              <a:buAutoNum type="arabicParenR"/>
-            </a:pPr>
-            <a:r>
-              <a:rPr lang="es-ES" sz="1800" b="1" dirty="0">
-                <a:solidFill>
-                  <a:srgbClr val="000000"/>
-                </a:solidFill>
-                <a:latin typeface="Roboto" panose="02000000000000000000" pitchFamily="2" charset="0"/>
-              </a:rPr>
-              <a:t>Responder a un mensaje con #gracias o /</a:t>
-            </a:r>
-            <a:r>
-              <a:rPr lang="es-ES" sz="1800" b="1" dirty="0" err="1">
-                <a:solidFill>
-                  <a:srgbClr val="000000"/>
-                </a:solidFill>
-                <a:latin typeface="Roboto" panose="02000000000000000000" pitchFamily="2" charset="0"/>
-              </a:rPr>
-              <a:t>rep</a:t>
-            </a:r>
-            <a:r>
-              <a:rPr lang="es-ES" sz="1800" b="1" dirty="0">
-                <a:solidFill>
-                  <a:srgbClr val="000000"/>
-                </a:solidFill>
-                <a:latin typeface="Roboto" panose="02000000000000000000" pitchFamily="2" charset="0"/>
-              </a:rPr>
-              <a:t> le dará 1 punto de reputación al usuario que envío el mensaje, responder con /</a:t>
-            </a:r>
-            <a:r>
-              <a:rPr lang="es-ES" sz="1800" b="1" dirty="0" err="1">
-                <a:solidFill>
-                  <a:srgbClr val="000000"/>
-                </a:solidFill>
-                <a:latin typeface="Roboto" panose="02000000000000000000" pitchFamily="2" charset="0"/>
-              </a:rPr>
-              <a:t>rep</a:t>
-            </a:r>
-            <a:r>
-              <a:rPr lang="es-ES" sz="1800" b="1" dirty="0">
-                <a:solidFill>
-                  <a:srgbClr val="000000"/>
-                </a:solidFill>
-                <a:latin typeface="Roboto" panose="02000000000000000000" pitchFamily="2" charset="0"/>
-              </a:rPr>
-              <a:t> 4 le dará 4 puntos de reputación.</a:t>
+              <a:t>Responder a un mensaje con #gracias le dará 1 punto de reputación al usuario que envío el mensaje. </a:t>
             </a:r>
           </a:p>
           <a:p>
@@ -7293,18 +7100,18 @@
 </file>
 
 <file path=customXml/item2.xml><?xml version="1.0" encoding="utf-8"?>
-<p:properties xmlns:p="http://schemas.microsoft.com/office/2006/metadata/properties" xmlns:xsi="http://www.w3.org/2001/XMLSchema-instance" xmlns:pc="http://schemas.microsoft.com/office/infopath/2007/PartnerControls">
-  <documentManagement/>
-</p:properties>
-</file>
-
-<file path=customXml/item3.xml><?xml version="1.0" encoding="utf-8"?>
 <?mso-contentType ?>
 <FormTemplates xmlns="http://schemas.microsoft.com/sharepoint/v3/contenttype/forms">
   <Display>DocumentLibraryForm</Display>
   <Edit>DocumentLibraryForm</Edit>
   <New>DocumentLibraryForm</New>
 </FormTemplates>
+</file>
+
+<file path=customXml/item3.xml><?xml version="1.0" encoding="utf-8"?>
+<p:properties xmlns:p="http://schemas.microsoft.com/office/2006/metadata/properties" xmlns:xsi="http://www.w3.org/2001/XMLSchema-instance" xmlns:pc="http://schemas.microsoft.com/office/infopath/2007/PartnerControls">
+  <documentManagement/>
+</p:properties>
 </file>
 
 <file path=customXml/itemProps1.xml><?xml version="1.0" encoding="utf-8"?>
@@ -7327,6 +7134,14 @@
 </file>
 
 <file path=customXml/itemProps2.xml><?xml version="1.0" encoding="utf-8"?>
+<ds:datastoreItem xmlns:ds="http://schemas.openxmlformats.org/officeDocument/2006/customXml" ds:itemID="{55D8D74A-93CE-4978-8C1D-A41EE94072BD}">
+  <ds:schemaRefs>
+    <ds:schemaRef ds:uri="http://schemas.microsoft.com/sharepoint/v3/contenttype/forms"/>
+  </ds:schemaRefs>
+</ds:datastoreItem>
+</file>
+
+<file path=customXml/itemProps3.xml><?xml version="1.0" encoding="utf-8"?>
 <ds:datastoreItem xmlns:ds="http://schemas.openxmlformats.org/officeDocument/2006/customXml" ds:itemID="{FF130215-149B-4B56-AAE8-EF1980B20BB0}">
   <ds:schemaRefs>
     <ds:schemaRef ds:uri="http://purl.org/dc/elements/1.1/"/>
@@ -7341,12 +7156,4 @@
     <ds:schemaRef ds:uri="8c220646-6cac-4c9d-8f05-a0ea44ceed69"/>
   </ds:schemaRefs>
 </ds:datastoreItem>
-</file>
-
-<file path=customXml/itemProps3.xml><?xml version="1.0" encoding="utf-8"?>
-<ds:datastoreItem xmlns:ds="http://schemas.openxmlformats.org/officeDocument/2006/customXml" ds:itemID="{55D8D74A-93CE-4978-8C1D-A41EE94072BD}">
-  <ds:schemaRefs>
-    <ds:schemaRef ds:uri="http://schemas.microsoft.com/sharepoint/v3/contenttype/forms"/>
-  </ds:schemaRefs>
-</ds:datastoreItem>
 </file>